--- a/University Managment System/University management system.pptx
+++ b/University Managment System/University management system.pptx
@@ -7,7 +7,7 @@
     <p:sldMasterId id="2147483673" r:id="rId3"/>
   </p:sldMasterIdLst>
   <p:notesMasterIdLst>
-    <p:notesMasterId r:id="rId23"/>
+    <p:notesMasterId r:id="rId24"/>
   </p:notesMasterIdLst>
   <p:sldIdLst>
     <p:sldId id="363" r:id="rId4"/>
@@ -27,8 +27,9 @@
     <p:sldId id="373" r:id="rId18"/>
     <p:sldId id="376" r:id="rId19"/>
     <p:sldId id="377" r:id="rId20"/>
-    <p:sldId id="260" r:id="rId21"/>
-    <p:sldId id="346" r:id="rId22"/>
+    <p:sldId id="378" r:id="rId21"/>
+    <p:sldId id="260" r:id="rId22"/>
+    <p:sldId id="346" r:id="rId23"/>
   </p:sldIdLst>
   <p:sldSz cx="12192000" cy="6858000"/>
   <p:notesSz cx="6858000" cy="9144000"/>
@@ -5899,6 +5900,72 @@
           <a:chExt cx="0" cy="0"/>
         </a:xfrm>
       </p:grpSpPr>
+      <p:pic>
+        <p:nvPicPr>
+          <p:cNvPr id="3" name="Picture 2">
+            <a:extLst>
+              <a:ext uri="{FF2B5EF4-FFF2-40B4-BE49-F238E27FC236}">
+                <a16:creationId xmlns:a16="http://schemas.microsoft.com/office/drawing/2014/main" id="{6D139D4A-1326-A457-97C8-B426AECB6BE1}"/>
+              </a:ext>
+            </a:extLst>
+          </p:cNvPr>
+          <p:cNvPicPr>
+            <a:picLocks noChangeAspect="1"/>
+          </p:cNvPicPr>
+          <p:nvPr/>
+        </p:nvPicPr>
+        <p:blipFill>
+          <a:blip r:embed="rId2">
+            <a:extLst>
+              <a:ext uri="{28A0092B-C50C-407E-A947-70E740481C1C}">
+                <a14:useLocalDpi xmlns:a14="http://schemas.microsoft.com/office/drawing/2010/main" val="0"/>
+              </a:ext>
+            </a:extLst>
+          </a:blip>
+          <a:stretch>
+            <a:fillRect/>
+          </a:stretch>
+        </p:blipFill>
+        <p:spPr>
+          <a:xfrm>
+            <a:off x="0" y="0"/>
+            <a:ext cx="12192000" cy="6858000"/>
+          </a:xfrm>
+          <a:prstGeom prst="rect">
+            <a:avLst/>
+          </a:prstGeom>
+        </p:spPr>
+      </p:pic>
+    </p:spTree>
+    <p:extLst>
+      <p:ext uri="{BB962C8B-B14F-4D97-AF65-F5344CB8AC3E}">
+        <p14:creationId xmlns:p14="http://schemas.microsoft.com/office/powerpoint/2010/main" val="3442487995"/>
+      </p:ext>
+    </p:extLst>
+  </p:cSld>
+  <p:clrMapOvr>
+    <a:masterClrMapping/>
+  </p:clrMapOvr>
+</p:sld>
+</file>
+
+<file path=ppt/slides/slide19.xml><?xml version="1.0" encoding="utf-8"?>
+<p:sld xmlns:a="http://schemas.openxmlformats.org/drawingml/2006/main" xmlns:r="http://schemas.openxmlformats.org/officeDocument/2006/relationships" xmlns:p="http://schemas.openxmlformats.org/presentationml/2006/main">
+  <p:cSld>
+    <p:spTree>
+      <p:nvGrpSpPr>
+        <p:cNvPr id="1" name=""/>
+        <p:cNvGrpSpPr/>
+        <p:nvPr/>
+      </p:nvGrpSpPr>
+      <p:grpSpPr>
+        <a:xfrm>
+          <a:off x="0" y="0"/>
+          <a:ext cx="0" cy="0"/>
+          <a:chOff x="0" y="0"/>
+          <a:chExt cx="0" cy="0"/>
+        </a:xfrm>
+      </p:grpSpPr>
       <p:sp>
         <p:nvSpPr>
           <p:cNvPr id="2" name="Text Placeholder 1">
@@ -7310,142 +7377,6 @@
 </p:sld>
 </file>
 
-<file path=ppt/slides/slide19.xml><?xml version="1.0" encoding="utf-8"?>
-<p:sld xmlns:a="http://schemas.openxmlformats.org/drawingml/2006/main" xmlns:r="http://schemas.openxmlformats.org/officeDocument/2006/relationships" xmlns:p="http://schemas.openxmlformats.org/presentationml/2006/main">
-  <p:cSld>
-    <p:spTree>
-      <p:nvGrpSpPr>
-        <p:cNvPr id="1" name=""/>
-        <p:cNvGrpSpPr/>
-        <p:nvPr/>
-      </p:nvGrpSpPr>
-      <p:grpSpPr>
-        <a:xfrm>
-          <a:off x="0" y="0"/>
-          <a:ext cx="0" cy="0"/>
-          <a:chOff x="0" y="0"/>
-          <a:chExt cx="0" cy="0"/>
-        </a:xfrm>
-      </p:grpSpPr>
-      <p:grpSp>
-        <p:nvGrpSpPr>
-          <p:cNvPr id="2" name="그룹 1">
-            <a:extLst>
-              <a:ext uri="{FF2B5EF4-FFF2-40B4-BE49-F238E27FC236}">
-                <a16:creationId xmlns:a16="http://schemas.microsoft.com/office/drawing/2014/main" id="{7AD0779B-3B91-4615-A566-E8E40EC0E675}"/>
-              </a:ext>
-            </a:extLst>
-          </p:cNvPr>
-          <p:cNvGrpSpPr/>
-          <p:nvPr/>
-        </p:nvGrpSpPr>
-        <p:grpSpPr>
-          <a:xfrm>
-            <a:off x="1" y="5008928"/>
-            <a:ext cx="12191999" cy="1318987"/>
-            <a:chOff x="1" y="4959383"/>
-            <a:chExt cx="12191999" cy="1318987"/>
-          </a:xfrm>
-        </p:grpSpPr>
-        <p:sp>
-          <p:nvSpPr>
-            <p:cNvPr id="4" name="TextBox 3">
-              <a:extLst>
-                <a:ext uri="{FF2B5EF4-FFF2-40B4-BE49-F238E27FC236}">
-                  <a16:creationId xmlns:a16="http://schemas.microsoft.com/office/drawing/2014/main" id="{1DF8EF26-7AD5-4E7F-95B3-9A57CF80C483}"/>
-                </a:ext>
-              </a:extLst>
-            </p:cNvPr>
-            <p:cNvSpPr txBox="1"/>
-            <p:nvPr/>
-          </p:nvSpPr>
-          <p:spPr>
-            <a:xfrm>
-              <a:off x="1" y="4959383"/>
-              <a:ext cx="12191999" cy="1015663"/>
-            </a:xfrm>
-            <a:prstGeom prst="rect">
-              <a:avLst/>
-            </a:prstGeom>
-            <a:noFill/>
-          </p:spPr>
-          <p:txBody>
-            <a:bodyPr wrap="square" rtlCol="0" anchor="ctr">
-              <a:spAutoFit/>
-            </a:bodyPr>
-            <a:lstStyle/>
-            <a:p>
-              <a:pPr algn="ctr"/>
-              <a:r>
-                <a:rPr lang="en-US" altLang="ko-KR" sz="6000" dirty="0">
-                  <a:solidFill>
-                    <a:schemeClr val="bg1"/>
-                  </a:solidFill>
-                  <a:cs typeface="Arial" pitchFamily="34" charset="0"/>
-                </a:rPr>
-                <a:t>THANK YOU</a:t>
-              </a:r>
-              <a:endParaRPr lang="ko-KR" altLang="en-US" sz="6000" dirty="0">
-                <a:solidFill>
-                  <a:schemeClr val="bg1"/>
-                </a:solidFill>
-                <a:cs typeface="Arial" pitchFamily="34" charset="0"/>
-              </a:endParaRPr>
-            </a:p>
-          </p:txBody>
-        </p:sp>
-        <p:sp>
-          <p:nvSpPr>
-            <p:cNvPr id="5" name="TextBox 4">
-              <a:extLst>
-                <a:ext uri="{FF2B5EF4-FFF2-40B4-BE49-F238E27FC236}">
-                  <a16:creationId xmlns:a16="http://schemas.microsoft.com/office/drawing/2014/main" id="{BADEB2CA-D11F-4CA5-BC5A-6C38FF4BF392}"/>
-                </a:ext>
-              </a:extLst>
-            </p:cNvPr>
-            <p:cNvSpPr txBox="1"/>
-            <p:nvPr/>
-          </p:nvSpPr>
-          <p:spPr>
-            <a:xfrm>
-              <a:off x="148" y="5898714"/>
-              <a:ext cx="12191852" cy="379656"/>
-            </a:xfrm>
-            <a:prstGeom prst="rect">
-              <a:avLst/>
-            </a:prstGeom>
-            <a:noFill/>
-          </p:spPr>
-          <p:txBody>
-            <a:bodyPr wrap="square" rtlCol="0" anchor="ctr">
-              <a:spAutoFit/>
-            </a:bodyPr>
-            <a:lstStyle/>
-            <a:p>
-              <a:pPr algn="ctr"/>
-              <a:endParaRPr lang="ko-KR" altLang="en-US" sz="1867" dirty="0">
-                <a:solidFill>
-                  <a:schemeClr val="bg1"/>
-                </a:solidFill>
-                <a:cs typeface="Arial" pitchFamily="34" charset="0"/>
-              </a:endParaRPr>
-            </a:p>
-          </p:txBody>
-        </p:sp>
-      </p:grpSp>
-    </p:spTree>
-    <p:extLst>
-      <p:ext uri="{BB962C8B-B14F-4D97-AF65-F5344CB8AC3E}">
-        <p14:creationId xmlns:p14="http://schemas.microsoft.com/office/powerpoint/2010/main" val="821656516"/>
-      </p:ext>
-    </p:extLst>
-  </p:cSld>
-  <p:clrMapOvr>
-    <a:masterClrMapping/>
-  </p:clrMapOvr>
-</p:sld>
-</file>
-
 <file path=ppt/slides/slide2.xml><?xml version="1.0" encoding="utf-8"?>
 <p:sld xmlns:a="http://schemas.openxmlformats.org/drawingml/2006/main" xmlns:r="http://schemas.openxmlformats.org/officeDocument/2006/relationships" xmlns:p="http://schemas.openxmlformats.org/presentationml/2006/main">
   <p:cSld>
@@ -7590,6 +7521,142 @@
     <p:extLst>
       <p:ext uri="{BB962C8B-B14F-4D97-AF65-F5344CB8AC3E}">
         <p14:creationId xmlns:p14="http://schemas.microsoft.com/office/powerpoint/2010/main" val="3600984977"/>
+      </p:ext>
+    </p:extLst>
+  </p:cSld>
+  <p:clrMapOvr>
+    <a:masterClrMapping/>
+  </p:clrMapOvr>
+</p:sld>
+</file>
+
+<file path=ppt/slides/slide20.xml><?xml version="1.0" encoding="utf-8"?>
+<p:sld xmlns:a="http://schemas.openxmlformats.org/drawingml/2006/main" xmlns:r="http://schemas.openxmlformats.org/officeDocument/2006/relationships" xmlns:p="http://schemas.openxmlformats.org/presentationml/2006/main">
+  <p:cSld>
+    <p:spTree>
+      <p:nvGrpSpPr>
+        <p:cNvPr id="1" name=""/>
+        <p:cNvGrpSpPr/>
+        <p:nvPr/>
+      </p:nvGrpSpPr>
+      <p:grpSpPr>
+        <a:xfrm>
+          <a:off x="0" y="0"/>
+          <a:ext cx="0" cy="0"/>
+          <a:chOff x="0" y="0"/>
+          <a:chExt cx="0" cy="0"/>
+        </a:xfrm>
+      </p:grpSpPr>
+      <p:grpSp>
+        <p:nvGrpSpPr>
+          <p:cNvPr id="2" name="그룹 1">
+            <a:extLst>
+              <a:ext uri="{FF2B5EF4-FFF2-40B4-BE49-F238E27FC236}">
+                <a16:creationId xmlns:a16="http://schemas.microsoft.com/office/drawing/2014/main" id="{7AD0779B-3B91-4615-A566-E8E40EC0E675}"/>
+              </a:ext>
+            </a:extLst>
+          </p:cNvPr>
+          <p:cNvGrpSpPr/>
+          <p:nvPr/>
+        </p:nvGrpSpPr>
+        <p:grpSpPr>
+          <a:xfrm>
+            <a:off x="1" y="5008928"/>
+            <a:ext cx="12191999" cy="1318987"/>
+            <a:chOff x="1" y="4959383"/>
+            <a:chExt cx="12191999" cy="1318987"/>
+          </a:xfrm>
+        </p:grpSpPr>
+        <p:sp>
+          <p:nvSpPr>
+            <p:cNvPr id="4" name="TextBox 3">
+              <a:extLst>
+                <a:ext uri="{FF2B5EF4-FFF2-40B4-BE49-F238E27FC236}">
+                  <a16:creationId xmlns:a16="http://schemas.microsoft.com/office/drawing/2014/main" id="{1DF8EF26-7AD5-4E7F-95B3-9A57CF80C483}"/>
+                </a:ext>
+              </a:extLst>
+            </p:cNvPr>
+            <p:cNvSpPr txBox="1"/>
+            <p:nvPr/>
+          </p:nvSpPr>
+          <p:spPr>
+            <a:xfrm>
+              <a:off x="1" y="4959383"/>
+              <a:ext cx="12191999" cy="1015663"/>
+            </a:xfrm>
+            <a:prstGeom prst="rect">
+              <a:avLst/>
+            </a:prstGeom>
+            <a:noFill/>
+          </p:spPr>
+          <p:txBody>
+            <a:bodyPr wrap="square" rtlCol="0" anchor="ctr">
+              <a:spAutoFit/>
+            </a:bodyPr>
+            <a:lstStyle/>
+            <a:p>
+              <a:pPr algn="ctr"/>
+              <a:r>
+                <a:rPr lang="en-US" altLang="ko-KR" sz="6000" dirty="0">
+                  <a:solidFill>
+                    <a:schemeClr val="bg1"/>
+                  </a:solidFill>
+                  <a:cs typeface="Arial" pitchFamily="34" charset="0"/>
+                </a:rPr>
+                <a:t>THANK YOU</a:t>
+              </a:r>
+              <a:endParaRPr lang="ko-KR" altLang="en-US" sz="6000" dirty="0">
+                <a:solidFill>
+                  <a:schemeClr val="bg1"/>
+                </a:solidFill>
+                <a:cs typeface="Arial" pitchFamily="34" charset="0"/>
+              </a:endParaRPr>
+            </a:p>
+          </p:txBody>
+        </p:sp>
+        <p:sp>
+          <p:nvSpPr>
+            <p:cNvPr id="5" name="TextBox 4">
+              <a:extLst>
+                <a:ext uri="{FF2B5EF4-FFF2-40B4-BE49-F238E27FC236}">
+                  <a16:creationId xmlns:a16="http://schemas.microsoft.com/office/drawing/2014/main" id="{BADEB2CA-D11F-4CA5-BC5A-6C38FF4BF392}"/>
+                </a:ext>
+              </a:extLst>
+            </p:cNvPr>
+            <p:cNvSpPr txBox="1"/>
+            <p:nvPr/>
+          </p:nvSpPr>
+          <p:spPr>
+            <a:xfrm>
+              <a:off x="148" y="5898714"/>
+              <a:ext cx="12191852" cy="379656"/>
+            </a:xfrm>
+            <a:prstGeom prst="rect">
+              <a:avLst/>
+            </a:prstGeom>
+            <a:noFill/>
+          </p:spPr>
+          <p:txBody>
+            <a:bodyPr wrap="square" rtlCol="0" anchor="ctr">
+              <a:spAutoFit/>
+            </a:bodyPr>
+            <a:lstStyle/>
+            <a:p>
+              <a:pPr algn="ctr"/>
+              <a:endParaRPr lang="ko-KR" altLang="en-US" sz="1867" dirty="0">
+                <a:solidFill>
+                  <a:schemeClr val="bg1"/>
+                </a:solidFill>
+                <a:cs typeface="Arial" pitchFamily="34" charset="0"/>
+              </a:endParaRPr>
+            </a:p>
+          </p:txBody>
+        </p:sp>
+      </p:grpSp>
+    </p:spTree>
+    <p:extLst>
+      <p:ext uri="{BB962C8B-B14F-4D97-AF65-F5344CB8AC3E}">
+        <p14:creationId xmlns:p14="http://schemas.microsoft.com/office/powerpoint/2010/main" val="821656516"/>
       </p:ext>
     </p:extLst>
   </p:cSld>
@@ -8805,10 +8872,10 @@
       </p:grpSpPr>
       <p:pic>
         <p:nvPicPr>
-          <p:cNvPr id="4" name="Picture 3">
+          <p:cNvPr id="3" name="Picture 2">
             <a:extLst>
               <a:ext uri="{FF2B5EF4-FFF2-40B4-BE49-F238E27FC236}">
-                <a16:creationId xmlns:a16="http://schemas.microsoft.com/office/drawing/2014/main" id="{038602C6-06D0-0ECE-DE41-88B21CD849F0}"/>
+                <a16:creationId xmlns:a16="http://schemas.microsoft.com/office/drawing/2014/main" id="{3796184A-FD33-A9D5-270D-EC3CA9CD8F08}"/>
               </a:ext>
             </a:extLst>
           </p:cNvPr>
@@ -8832,8 +8899,8 @@
         </p:blipFill>
         <p:spPr bwMode="auto">
           <a:xfrm>
-            <a:off x="0" y="1"/>
-            <a:ext cx="12191999" cy="6913764"/>
+            <a:off x="359764" y="114300"/>
+            <a:ext cx="11032761" cy="6629400"/>
           </a:xfrm>
           <a:prstGeom prst="rect">
             <a:avLst/>
@@ -8861,9 +8928,9 @@
           </p:nvPr>
         </p:nvSpPr>
         <p:spPr>
-          <a:xfrm>
-            <a:off x="-478904" y="152897"/>
-            <a:ext cx="11573197" cy="724247"/>
+          <a:xfrm rot="5400000">
+            <a:off x="10367229" y="3588152"/>
+            <a:ext cx="2607507" cy="322508"/>
           </a:xfrm>
         </p:spPr>
         <p:txBody>
@@ -8872,7 +8939,7 @@
           <a:p>
             <a:r>
               <a:rPr lang="en-US" sz="1600" dirty="0"/>
-              <a:t>Our database in SQL</a:t>
+              <a:t>Our database in SQL (zoom)</a:t>
             </a:r>
           </a:p>
         </p:txBody>

--- a/University Managment System/University management system.pptx
+++ b/University Managment System/University management system.pptx
@@ -7,7 +7,7 @@
     <p:sldMasterId id="2147483673" r:id="rId3"/>
   </p:sldMasterIdLst>
   <p:notesMasterIdLst>
-    <p:notesMasterId r:id="rId24"/>
+    <p:notesMasterId r:id="rId25"/>
   </p:notesMasterIdLst>
   <p:sldIdLst>
     <p:sldId id="363" r:id="rId4"/>
@@ -29,7 +29,8 @@
     <p:sldId id="377" r:id="rId20"/>
     <p:sldId id="378" r:id="rId21"/>
     <p:sldId id="260" r:id="rId22"/>
-    <p:sldId id="346" r:id="rId23"/>
+    <p:sldId id="379" r:id="rId23"/>
+    <p:sldId id="346" r:id="rId24"/>
   </p:sldIdLst>
   <p:sldSz cx="12192000" cy="6858000"/>
   <p:notesSz cx="6858000" cy="9144000"/>
@@ -229,7 +230,7 @@
           <a:p>
             <a:fld id="{4AAAF045-FEF6-43EA-9CDC-C84FC3F85E9C}" type="datetimeFigureOut">
               <a:rPr lang="en-US" smtClean="0"/>
-              <a:t>1/8/2025</a:t>
+              <a:t>1/9/2025</a:t>
             </a:fld>
             <a:endParaRPr lang="en-US"/>
           </a:p>
@@ -7547,6 +7548,1611 @@
           <a:chExt cx="0" cy="0"/>
         </a:xfrm>
       </p:grpSpPr>
+      <p:pic>
+        <p:nvPicPr>
+          <p:cNvPr id="22" name="Picture Placeholder 21">
+            <a:extLst>
+              <a:ext uri="{FF2B5EF4-FFF2-40B4-BE49-F238E27FC236}">
+                <a16:creationId xmlns:a16="http://schemas.microsoft.com/office/drawing/2014/main" id="{4CFCB051-2617-3622-E6D4-3F861748782B}"/>
+              </a:ext>
+            </a:extLst>
+          </p:cNvPr>
+          <p:cNvPicPr>
+            <a:picLocks noGrp="1" noChangeAspect="1"/>
+          </p:cNvPicPr>
+          <p:nvPr>
+            <p:ph type="pic" sz="quarter" idx="14"/>
+          </p:nvPr>
+        </p:nvPicPr>
+        <p:blipFill>
+          <a:blip r:embed="rId2">
+            <a:extLst>
+              <a:ext uri="{28A0092B-C50C-407E-A947-70E740481C1C}">
+                <a14:useLocalDpi xmlns:a14="http://schemas.microsoft.com/office/drawing/2010/main" val="0"/>
+              </a:ext>
+            </a:extLst>
+          </a:blip>
+          <a:srcRect l="2640" r="2640"/>
+          <a:stretch>
+            <a:fillRect/>
+          </a:stretch>
+        </p:blipFill>
+        <p:spPr/>
+      </p:pic>
+      <p:pic>
+        <p:nvPicPr>
+          <p:cNvPr id="24" name="Picture Placeholder 23">
+            <a:extLst>
+              <a:ext uri="{FF2B5EF4-FFF2-40B4-BE49-F238E27FC236}">
+                <a16:creationId xmlns:a16="http://schemas.microsoft.com/office/drawing/2014/main" id="{2307B1BA-FF6D-9FD4-63C8-F8DA29E71D18}"/>
+              </a:ext>
+            </a:extLst>
+          </p:cNvPr>
+          <p:cNvPicPr>
+            <a:picLocks noGrp="1" noChangeAspect="1"/>
+          </p:cNvPicPr>
+          <p:nvPr>
+            <p:ph type="pic" sz="quarter" idx="59"/>
+          </p:nvPr>
+        </p:nvPicPr>
+        <p:blipFill>
+          <a:blip r:embed="rId3">
+            <a:extLst>
+              <a:ext uri="{28A0092B-C50C-407E-A947-70E740481C1C}">
+                <a14:useLocalDpi xmlns:a14="http://schemas.microsoft.com/office/drawing/2010/main" val="0"/>
+              </a:ext>
+            </a:extLst>
+          </a:blip>
+          <a:srcRect l="15728" r="15728"/>
+          <a:stretch>
+            <a:fillRect/>
+          </a:stretch>
+        </p:blipFill>
+        <p:spPr>
+          <a:xfrm>
+            <a:off x="4038078" y="1989491"/>
+            <a:ext cx="1362562" cy="2145327"/>
+          </a:xfrm>
+        </p:spPr>
+      </p:pic>
+      <p:sp>
+        <p:nvSpPr>
+          <p:cNvPr id="7" name="Text Placeholder 1">
+            <a:extLst>
+              <a:ext uri="{FF2B5EF4-FFF2-40B4-BE49-F238E27FC236}">
+                <a16:creationId xmlns:a16="http://schemas.microsoft.com/office/drawing/2014/main" id="{C3F7FBAD-FCBC-48A0-1BC0-33F0DD218793}"/>
+              </a:ext>
+            </a:extLst>
+          </p:cNvPr>
+          <p:cNvSpPr txBox="1">
+            <a:spLocks/>
+          </p:cNvSpPr>
+          <p:nvPr/>
+        </p:nvSpPr>
+        <p:spPr>
+          <a:xfrm>
+            <a:off x="323529" y="339509"/>
+            <a:ext cx="11573197" cy="724247"/>
+          </a:xfrm>
+          <a:prstGeom prst="rect">
+            <a:avLst/>
+          </a:prstGeom>
+        </p:spPr>
+        <p:txBody>
+          <a:bodyPr anchor="ctr"/>
+          <a:lstStyle>
+            <a:lvl1pPr marL="0" indent="0" algn="ctr" defTabSz="914400" rtl="0" eaLnBrk="1" latinLnBrk="0" hangingPunct="1">
+              <a:lnSpc>
+                <a:spcPct val="90000"/>
+              </a:lnSpc>
+              <a:spcBef>
+                <a:spcPts val="1000"/>
+              </a:spcBef>
+              <a:buFont typeface="Arial" panose="020B0604020202020204" pitchFamily="34" charset="0"/>
+              <a:buNone/>
+              <a:defRPr sz="5400" b="0" kern="1200" baseline="0">
+                <a:solidFill>
+                  <a:schemeClr val="tx1">
+                    <a:lumMod val="75000"/>
+                    <a:lumOff val="25000"/>
+                  </a:schemeClr>
+                </a:solidFill>
+                <a:latin typeface="+mj-lt"/>
+                <a:ea typeface="+mn-ea"/>
+                <a:cs typeface="Arial" pitchFamily="34" charset="0"/>
+              </a:defRPr>
+            </a:lvl1pPr>
+            <a:lvl2pPr marL="685800" indent="-228600" algn="l" defTabSz="914400" rtl="0" eaLnBrk="1" latinLnBrk="0" hangingPunct="1">
+              <a:lnSpc>
+                <a:spcPct val="90000"/>
+              </a:lnSpc>
+              <a:spcBef>
+                <a:spcPts val="500"/>
+              </a:spcBef>
+              <a:buFont typeface="Arial" panose="020B0604020202020204" pitchFamily="34" charset="0"/>
+              <a:buChar char="•"/>
+              <a:defRPr sz="2400" kern="1200">
+                <a:solidFill>
+                  <a:schemeClr val="tx1"/>
+                </a:solidFill>
+                <a:latin typeface="+mn-lt"/>
+                <a:ea typeface="+mn-ea"/>
+                <a:cs typeface="+mn-cs"/>
+              </a:defRPr>
+            </a:lvl2pPr>
+            <a:lvl3pPr marL="1143000" indent="-228600" algn="l" defTabSz="914400" rtl="0" eaLnBrk="1" latinLnBrk="0" hangingPunct="1">
+              <a:lnSpc>
+                <a:spcPct val="90000"/>
+              </a:lnSpc>
+              <a:spcBef>
+                <a:spcPts val="500"/>
+              </a:spcBef>
+              <a:buFont typeface="Arial" panose="020B0604020202020204" pitchFamily="34" charset="0"/>
+              <a:buChar char="•"/>
+              <a:defRPr sz="2000" kern="1200">
+                <a:solidFill>
+                  <a:schemeClr val="tx1"/>
+                </a:solidFill>
+                <a:latin typeface="+mn-lt"/>
+                <a:ea typeface="+mn-ea"/>
+                <a:cs typeface="+mn-cs"/>
+              </a:defRPr>
+            </a:lvl3pPr>
+            <a:lvl4pPr marL="1600200" indent="-228600" algn="l" defTabSz="914400" rtl="0" eaLnBrk="1" latinLnBrk="0" hangingPunct="1">
+              <a:lnSpc>
+                <a:spcPct val="90000"/>
+              </a:lnSpc>
+              <a:spcBef>
+                <a:spcPts val="500"/>
+              </a:spcBef>
+              <a:buFont typeface="Arial" panose="020B0604020202020204" pitchFamily="34" charset="0"/>
+              <a:buChar char="•"/>
+              <a:defRPr sz="1800" kern="1200">
+                <a:solidFill>
+                  <a:schemeClr val="tx1"/>
+                </a:solidFill>
+                <a:latin typeface="+mn-lt"/>
+                <a:ea typeface="+mn-ea"/>
+                <a:cs typeface="+mn-cs"/>
+              </a:defRPr>
+            </a:lvl4pPr>
+            <a:lvl5pPr marL="2057400" indent="-228600" algn="l" defTabSz="914400" rtl="0" eaLnBrk="1" latinLnBrk="0" hangingPunct="1">
+              <a:lnSpc>
+                <a:spcPct val="90000"/>
+              </a:lnSpc>
+              <a:spcBef>
+                <a:spcPts val="500"/>
+              </a:spcBef>
+              <a:buFont typeface="Arial" panose="020B0604020202020204" pitchFamily="34" charset="0"/>
+              <a:buChar char="•"/>
+              <a:defRPr sz="1800" kern="1200">
+                <a:solidFill>
+                  <a:schemeClr val="tx1"/>
+                </a:solidFill>
+                <a:latin typeface="+mn-lt"/>
+                <a:ea typeface="+mn-ea"/>
+                <a:cs typeface="+mn-cs"/>
+              </a:defRPr>
+            </a:lvl5pPr>
+            <a:lvl6pPr marL="2514600" indent="-228600" algn="l" defTabSz="914400" rtl="0" eaLnBrk="1" latinLnBrk="0" hangingPunct="1">
+              <a:lnSpc>
+                <a:spcPct val="90000"/>
+              </a:lnSpc>
+              <a:spcBef>
+                <a:spcPts val="500"/>
+              </a:spcBef>
+              <a:buFont typeface="Arial" panose="020B0604020202020204" pitchFamily="34" charset="0"/>
+              <a:buChar char="•"/>
+              <a:defRPr sz="1800" kern="1200">
+                <a:solidFill>
+                  <a:schemeClr val="tx1"/>
+                </a:solidFill>
+                <a:latin typeface="+mn-lt"/>
+                <a:ea typeface="+mn-ea"/>
+                <a:cs typeface="+mn-cs"/>
+              </a:defRPr>
+            </a:lvl6pPr>
+            <a:lvl7pPr marL="2971800" indent="-228600" algn="l" defTabSz="914400" rtl="0" eaLnBrk="1" latinLnBrk="0" hangingPunct="1">
+              <a:lnSpc>
+                <a:spcPct val="90000"/>
+              </a:lnSpc>
+              <a:spcBef>
+                <a:spcPts val="500"/>
+              </a:spcBef>
+              <a:buFont typeface="Arial" panose="020B0604020202020204" pitchFamily="34" charset="0"/>
+              <a:buChar char="•"/>
+              <a:defRPr sz="1800" kern="1200">
+                <a:solidFill>
+                  <a:schemeClr val="tx1"/>
+                </a:solidFill>
+                <a:latin typeface="+mn-lt"/>
+                <a:ea typeface="+mn-ea"/>
+                <a:cs typeface="+mn-cs"/>
+              </a:defRPr>
+            </a:lvl7pPr>
+            <a:lvl8pPr marL="3429000" indent="-228600" algn="l" defTabSz="914400" rtl="0" eaLnBrk="1" latinLnBrk="0" hangingPunct="1">
+              <a:lnSpc>
+                <a:spcPct val="90000"/>
+              </a:lnSpc>
+              <a:spcBef>
+                <a:spcPts val="500"/>
+              </a:spcBef>
+              <a:buFont typeface="Arial" panose="020B0604020202020204" pitchFamily="34" charset="0"/>
+              <a:buChar char="•"/>
+              <a:defRPr sz="1800" kern="1200">
+                <a:solidFill>
+                  <a:schemeClr val="tx1"/>
+                </a:solidFill>
+                <a:latin typeface="+mn-lt"/>
+                <a:ea typeface="+mn-ea"/>
+                <a:cs typeface="+mn-cs"/>
+              </a:defRPr>
+            </a:lvl8pPr>
+            <a:lvl9pPr marL="3886200" indent="-228600" algn="l" defTabSz="914400" rtl="0" eaLnBrk="1" latinLnBrk="0" hangingPunct="1">
+              <a:lnSpc>
+                <a:spcPct val="90000"/>
+              </a:lnSpc>
+              <a:spcBef>
+                <a:spcPts val="500"/>
+              </a:spcBef>
+              <a:buFont typeface="Arial" panose="020B0604020202020204" pitchFamily="34" charset="0"/>
+              <a:buChar char="•"/>
+              <a:defRPr sz="1800" kern="1200">
+                <a:solidFill>
+                  <a:schemeClr val="tx1"/>
+                </a:solidFill>
+                <a:latin typeface="+mn-lt"/>
+                <a:ea typeface="+mn-ea"/>
+                <a:cs typeface="+mn-cs"/>
+              </a:defRPr>
+            </a:lvl9pPr>
+          </a:lstStyle>
+          <a:p>
+            <a:r>
+              <a:rPr lang="en-US"/>
+              <a:t>Our Figma</a:t>
+            </a:r>
+            <a:endParaRPr lang="en-US" dirty="0"/>
+          </a:p>
+        </p:txBody>
+      </p:sp>
+      <p:sp>
+        <p:nvSpPr>
+          <p:cNvPr id="8" name="Rectangle 41">
+            <a:extLst>
+              <a:ext uri="{FF2B5EF4-FFF2-40B4-BE49-F238E27FC236}">
+                <a16:creationId xmlns:a16="http://schemas.microsoft.com/office/drawing/2014/main" id="{707C5F5E-78FD-8684-E59E-4DDF49F5E39A}"/>
+              </a:ext>
+            </a:extLst>
+          </p:cNvPr>
+          <p:cNvSpPr/>
+          <p:nvPr/>
+        </p:nvSpPr>
+        <p:spPr>
+          <a:xfrm flipV="1">
+            <a:off x="912508" y="4525270"/>
+            <a:ext cx="2088000" cy="576064"/>
+          </a:xfrm>
+          <a:prstGeom prst="foldedCorner">
+            <a:avLst>
+              <a:gd name="adj" fmla="val 50000"/>
+            </a:avLst>
+          </a:prstGeom>
+          <a:solidFill>
+            <a:schemeClr val="accent1"/>
+          </a:solidFill>
+          <a:ln w="9525">
+            <a:noFill/>
+          </a:ln>
+          <a:effectLst>
+            <a:glow rad="76200">
+              <a:schemeClr val="bg1">
+                <a:alpha val="13000"/>
+              </a:schemeClr>
+            </a:glow>
+          </a:effectLst>
+        </p:spPr>
+        <p:style>
+          <a:lnRef idx="2">
+            <a:schemeClr val="accent1">
+              <a:shade val="50000"/>
+            </a:schemeClr>
+          </a:lnRef>
+          <a:fillRef idx="1">
+            <a:schemeClr val="accent1"/>
+          </a:fillRef>
+          <a:effectRef idx="0">
+            <a:schemeClr val="accent1"/>
+          </a:effectRef>
+          <a:fontRef idx="minor">
+            <a:schemeClr val="lt1"/>
+          </a:fontRef>
+        </p:style>
+        <p:txBody>
+          <a:bodyPr rtlCol="0" anchor="ctr"/>
+          <a:lstStyle/>
+          <a:p>
+            <a:pPr algn="ctr"/>
+            <a:endParaRPr lang="en-US" sz="1800"/>
+          </a:p>
+        </p:txBody>
+      </p:sp>
+      <p:sp>
+        <p:nvSpPr>
+          <p:cNvPr id="9" name="Rectangle 50">
+            <a:extLst>
+              <a:ext uri="{FF2B5EF4-FFF2-40B4-BE49-F238E27FC236}">
+                <a16:creationId xmlns:a16="http://schemas.microsoft.com/office/drawing/2014/main" id="{523E4D9F-DC20-2D46-E73F-A48DEB3F6172}"/>
+              </a:ext>
+            </a:extLst>
+          </p:cNvPr>
+          <p:cNvSpPr/>
+          <p:nvPr/>
+        </p:nvSpPr>
+        <p:spPr>
+          <a:xfrm flipV="1">
+            <a:off x="3674075" y="4525270"/>
+            <a:ext cx="2088000" cy="576064"/>
+          </a:xfrm>
+          <a:prstGeom prst="foldedCorner">
+            <a:avLst>
+              <a:gd name="adj" fmla="val 43878"/>
+            </a:avLst>
+          </a:prstGeom>
+          <a:solidFill>
+            <a:schemeClr val="accent2"/>
+          </a:solidFill>
+          <a:ln w="9525">
+            <a:noFill/>
+          </a:ln>
+          <a:effectLst>
+            <a:glow rad="76200">
+              <a:schemeClr val="bg1">
+                <a:alpha val="13000"/>
+              </a:schemeClr>
+            </a:glow>
+          </a:effectLst>
+        </p:spPr>
+        <p:style>
+          <a:lnRef idx="2">
+            <a:schemeClr val="accent1">
+              <a:shade val="50000"/>
+            </a:schemeClr>
+          </a:lnRef>
+          <a:fillRef idx="1">
+            <a:schemeClr val="accent1"/>
+          </a:fillRef>
+          <a:effectRef idx="0">
+            <a:schemeClr val="accent1"/>
+          </a:effectRef>
+          <a:fontRef idx="minor">
+            <a:schemeClr val="lt1"/>
+          </a:fontRef>
+        </p:style>
+        <p:txBody>
+          <a:bodyPr rtlCol="0" anchor="ctr"/>
+          <a:lstStyle/>
+          <a:p>
+            <a:pPr algn="ctr"/>
+            <a:endParaRPr lang="en-US" sz="1800"/>
+          </a:p>
+        </p:txBody>
+      </p:sp>
+      <p:sp>
+        <p:nvSpPr>
+          <p:cNvPr id="10" name="Rectangle 59">
+            <a:extLst>
+              <a:ext uri="{FF2B5EF4-FFF2-40B4-BE49-F238E27FC236}">
+                <a16:creationId xmlns:a16="http://schemas.microsoft.com/office/drawing/2014/main" id="{49115063-1797-B46E-83D9-71465457B608}"/>
+              </a:ext>
+            </a:extLst>
+          </p:cNvPr>
+          <p:cNvSpPr/>
+          <p:nvPr/>
+        </p:nvSpPr>
+        <p:spPr>
+          <a:xfrm flipV="1">
+            <a:off x="6435642" y="4525270"/>
+            <a:ext cx="2088000" cy="576064"/>
+          </a:xfrm>
+          <a:prstGeom prst="foldedCorner">
+            <a:avLst>
+              <a:gd name="adj" fmla="val 45390"/>
+            </a:avLst>
+          </a:prstGeom>
+          <a:solidFill>
+            <a:schemeClr val="accent3"/>
+          </a:solidFill>
+          <a:ln w="9525">
+            <a:noFill/>
+          </a:ln>
+          <a:effectLst>
+            <a:glow rad="76200">
+              <a:schemeClr val="bg1">
+                <a:alpha val="13000"/>
+              </a:schemeClr>
+            </a:glow>
+          </a:effectLst>
+        </p:spPr>
+        <p:style>
+          <a:lnRef idx="2">
+            <a:schemeClr val="accent1">
+              <a:shade val="50000"/>
+            </a:schemeClr>
+          </a:lnRef>
+          <a:fillRef idx="1">
+            <a:schemeClr val="accent1"/>
+          </a:fillRef>
+          <a:effectRef idx="0">
+            <a:schemeClr val="accent1"/>
+          </a:effectRef>
+          <a:fontRef idx="minor">
+            <a:schemeClr val="lt1"/>
+          </a:fontRef>
+        </p:style>
+        <p:txBody>
+          <a:bodyPr rtlCol="0" anchor="ctr"/>
+          <a:lstStyle/>
+          <a:p>
+            <a:pPr algn="ctr"/>
+            <a:endParaRPr lang="en-US" sz="1800"/>
+          </a:p>
+        </p:txBody>
+      </p:sp>
+      <p:sp>
+        <p:nvSpPr>
+          <p:cNvPr id="11" name="Rectangle 68">
+            <a:extLst>
+              <a:ext uri="{FF2B5EF4-FFF2-40B4-BE49-F238E27FC236}">
+                <a16:creationId xmlns:a16="http://schemas.microsoft.com/office/drawing/2014/main" id="{00F4A7EC-F2E7-8E34-FC0B-DEBEF1EA9772}"/>
+              </a:ext>
+            </a:extLst>
+          </p:cNvPr>
+          <p:cNvSpPr/>
+          <p:nvPr/>
+        </p:nvSpPr>
+        <p:spPr>
+          <a:xfrm flipV="1">
+            <a:off x="9197208" y="4525270"/>
+            <a:ext cx="2088000" cy="576064"/>
+          </a:xfrm>
+          <a:prstGeom prst="foldedCorner">
+            <a:avLst>
+              <a:gd name="adj" fmla="val 45390"/>
+            </a:avLst>
+          </a:prstGeom>
+          <a:solidFill>
+            <a:schemeClr val="accent4"/>
+          </a:solidFill>
+          <a:ln w="9525">
+            <a:noFill/>
+          </a:ln>
+          <a:effectLst>
+            <a:glow rad="76200">
+              <a:schemeClr val="bg1">
+                <a:alpha val="13000"/>
+              </a:schemeClr>
+            </a:glow>
+          </a:effectLst>
+        </p:spPr>
+        <p:style>
+          <a:lnRef idx="2">
+            <a:schemeClr val="accent1">
+              <a:shade val="50000"/>
+            </a:schemeClr>
+          </a:lnRef>
+          <a:fillRef idx="1">
+            <a:schemeClr val="accent1"/>
+          </a:fillRef>
+          <a:effectRef idx="0">
+            <a:schemeClr val="accent1"/>
+          </a:effectRef>
+          <a:fontRef idx="minor">
+            <a:schemeClr val="lt1"/>
+          </a:fontRef>
+        </p:style>
+        <p:txBody>
+          <a:bodyPr rtlCol="0" anchor="ctr"/>
+          <a:lstStyle/>
+          <a:p>
+            <a:pPr algn="ctr"/>
+            <a:endParaRPr lang="en-US" sz="1800"/>
+          </a:p>
+        </p:txBody>
+      </p:sp>
+      <p:sp>
+        <p:nvSpPr>
+          <p:cNvPr id="12" name="Text Placeholder 27">
+            <a:extLst>
+              <a:ext uri="{FF2B5EF4-FFF2-40B4-BE49-F238E27FC236}">
+                <a16:creationId xmlns:a16="http://schemas.microsoft.com/office/drawing/2014/main" id="{FD967049-832E-6A52-D450-A923541FB131}"/>
+              </a:ext>
+            </a:extLst>
+          </p:cNvPr>
+          <p:cNvSpPr txBox="1">
+            <a:spLocks/>
+          </p:cNvSpPr>
+          <p:nvPr/>
+        </p:nvSpPr>
+        <p:spPr>
+          <a:xfrm>
+            <a:off x="1031818" y="4706705"/>
+            <a:ext cx="1800000" cy="232093"/>
+          </a:xfrm>
+          <a:prstGeom prst="rect">
+            <a:avLst/>
+          </a:prstGeom>
+        </p:spPr>
+        <p:txBody>
+          <a:bodyPr anchor="ctr"/>
+          <a:lstStyle>
+            <a:lvl1pPr marL="0" indent="0" algn="ctr" defTabSz="914400" rtl="0" eaLnBrk="1" latinLnBrk="1" hangingPunct="1">
+              <a:lnSpc>
+                <a:spcPct val="90000"/>
+              </a:lnSpc>
+              <a:spcBef>
+                <a:spcPts val="1000"/>
+              </a:spcBef>
+              <a:buFontTx/>
+              <a:buNone/>
+              <a:defRPr sz="1600" b="0" kern="1200">
+                <a:solidFill>
+                  <a:schemeClr val="bg1"/>
+                </a:solidFill>
+                <a:latin typeface="+mn-lt"/>
+                <a:ea typeface="+mn-ea"/>
+                <a:cs typeface="+mn-cs"/>
+              </a:defRPr>
+            </a:lvl1pPr>
+            <a:lvl2pPr marL="685800" indent="-228600" algn="l" defTabSz="914400" rtl="0" eaLnBrk="1" latinLnBrk="1" hangingPunct="1">
+              <a:lnSpc>
+                <a:spcPct val="90000"/>
+              </a:lnSpc>
+              <a:spcBef>
+                <a:spcPts val="500"/>
+              </a:spcBef>
+              <a:buFont typeface="Arial" panose="020B0604020202020204" pitchFamily="34" charset="0"/>
+              <a:buChar char="•"/>
+              <a:defRPr sz="2400" kern="1200">
+                <a:solidFill>
+                  <a:schemeClr val="tx1"/>
+                </a:solidFill>
+                <a:latin typeface="+mn-lt"/>
+                <a:ea typeface="+mn-ea"/>
+                <a:cs typeface="+mn-cs"/>
+              </a:defRPr>
+            </a:lvl2pPr>
+            <a:lvl3pPr marL="1143000" indent="-228600" algn="l" defTabSz="914400" rtl="0" eaLnBrk="1" latinLnBrk="1" hangingPunct="1">
+              <a:lnSpc>
+                <a:spcPct val="90000"/>
+              </a:lnSpc>
+              <a:spcBef>
+                <a:spcPts val="500"/>
+              </a:spcBef>
+              <a:buFont typeface="Arial" panose="020B0604020202020204" pitchFamily="34" charset="0"/>
+              <a:buChar char="•"/>
+              <a:defRPr sz="2000" kern="1200">
+                <a:solidFill>
+                  <a:schemeClr val="tx1"/>
+                </a:solidFill>
+                <a:latin typeface="+mn-lt"/>
+                <a:ea typeface="+mn-ea"/>
+                <a:cs typeface="+mn-cs"/>
+              </a:defRPr>
+            </a:lvl3pPr>
+            <a:lvl4pPr marL="1600200" indent="-228600" algn="l" defTabSz="914400" rtl="0" eaLnBrk="1" latinLnBrk="1" hangingPunct="1">
+              <a:lnSpc>
+                <a:spcPct val="90000"/>
+              </a:lnSpc>
+              <a:spcBef>
+                <a:spcPts val="500"/>
+              </a:spcBef>
+              <a:buFont typeface="Arial" panose="020B0604020202020204" pitchFamily="34" charset="0"/>
+              <a:buChar char="•"/>
+              <a:defRPr sz="1800" kern="1200">
+                <a:solidFill>
+                  <a:schemeClr val="tx1"/>
+                </a:solidFill>
+                <a:latin typeface="+mn-lt"/>
+                <a:ea typeface="+mn-ea"/>
+                <a:cs typeface="+mn-cs"/>
+              </a:defRPr>
+            </a:lvl4pPr>
+            <a:lvl5pPr marL="2057400" indent="-228600" algn="l" defTabSz="914400" rtl="0" eaLnBrk="1" latinLnBrk="1" hangingPunct="1">
+              <a:lnSpc>
+                <a:spcPct val="90000"/>
+              </a:lnSpc>
+              <a:spcBef>
+                <a:spcPts val="500"/>
+              </a:spcBef>
+              <a:buFont typeface="Arial" panose="020B0604020202020204" pitchFamily="34" charset="0"/>
+              <a:buChar char="•"/>
+              <a:defRPr sz="1800" kern="1200">
+                <a:solidFill>
+                  <a:schemeClr val="tx1"/>
+                </a:solidFill>
+                <a:latin typeface="+mn-lt"/>
+                <a:ea typeface="+mn-ea"/>
+                <a:cs typeface="+mn-cs"/>
+              </a:defRPr>
+            </a:lvl5pPr>
+            <a:lvl6pPr marL="2514600" indent="-228600" algn="l" defTabSz="914400" rtl="0" eaLnBrk="1" latinLnBrk="1" hangingPunct="1">
+              <a:lnSpc>
+                <a:spcPct val="90000"/>
+              </a:lnSpc>
+              <a:spcBef>
+                <a:spcPts val="500"/>
+              </a:spcBef>
+              <a:buFont typeface="Arial" panose="020B0604020202020204" pitchFamily="34" charset="0"/>
+              <a:buChar char="•"/>
+              <a:defRPr sz="1800" kern="1200">
+                <a:solidFill>
+                  <a:schemeClr val="tx1"/>
+                </a:solidFill>
+                <a:latin typeface="+mn-lt"/>
+                <a:ea typeface="+mn-ea"/>
+                <a:cs typeface="+mn-cs"/>
+              </a:defRPr>
+            </a:lvl6pPr>
+            <a:lvl7pPr marL="2971800" indent="-228600" algn="l" defTabSz="914400" rtl="0" eaLnBrk="1" latinLnBrk="1" hangingPunct="1">
+              <a:lnSpc>
+                <a:spcPct val="90000"/>
+              </a:lnSpc>
+              <a:spcBef>
+                <a:spcPts val="500"/>
+              </a:spcBef>
+              <a:buFont typeface="Arial" panose="020B0604020202020204" pitchFamily="34" charset="0"/>
+              <a:buChar char="•"/>
+              <a:defRPr sz="1800" kern="1200">
+                <a:solidFill>
+                  <a:schemeClr val="tx1"/>
+                </a:solidFill>
+                <a:latin typeface="+mn-lt"/>
+                <a:ea typeface="+mn-ea"/>
+                <a:cs typeface="+mn-cs"/>
+              </a:defRPr>
+            </a:lvl7pPr>
+            <a:lvl8pPr marL="3429000" indent="-228600" algn="l" defTabSz="914400" rtl="0" eaLnBrk="1" latinLnBrk="1" hangingPunct="1">
+              <a:lnSpc>
+                <a:spcPct val="90000"/>
+              </a:lnSpc>
+              <a:spcBef>
+                <a:spcPts val="500"/>
+              </a:spcBef>
+              <a:buFont typeface="Arial" panose="020B0604020202020204" pitchFamily="34" charset="0"/>
+              <a:buChar char="•"/>
+              <a:defRPr sz="1800" kern="1200">
+                <a:solidFill>
+                  <a:schemeClr val="tx1"/>
+                </a:solidFill>
+                <a:latin typeface="+mn-lt"/>
+                <a:ea typeface="+mn-ea"/>
+                <a:cs typeface="+mn-cs"/>
+              </a:defRPr>
+            </a:lvl8pPr>
+            <a:lvl9pPr marL="3886200" indent="-228600" algn="l" defTabSz="914400" rtl="0" eaLnBrk="1" latinLnBrk="1" hangingPunct="1">
+              <a:lnSpc>
+                <a:spcPct val="90000"/>
+              </a:lnSpc>
+              <a:spcBef>
+                <a:spcPts val="500"/>
+              </a:spcBef>
+              <a:buFont typeface="Arial" panose="020B0604020202020204" pitchFamily="34" charset="0"/>
+              <a:buChar char="•"/>
+              <a:defRPr sz="1800" kern="1200">
+                <a:solidFill>
+                  <a:schemeClr val="tx1"/>
+                </a:solidFill>
+                <a:latin typeface="+mn-lt"/>
+                <a:ea typeface="+mn-ea"/>
+                <a:cs typeface="+mn-cs"/>
+              </a:defRPr>
+            </a:lvl9pPr>
+          </a:lstStyle>
+          <a:p>
+            <a:r>
+              <a:rPr lang="en-US" altLang="ko-KR" dirty="0"/>
+              <a:t>Teaching Assistant page</a:t>
+            </a:r>
+          </a:p>
+        </p:txBody>
+      </p:sp>
+      <p:sp>
+        <p:nvSpPr>
+          <p:cNvPr id="13" name="Text Placeholder 27">
+            <a:extLst>
+              <a:ext uri="{FF2B5EF4-FFF2-40B4-BE49-F238E27FC236}">
+                <a16:creationId xmlns:a16="http://schemas.microsoft.com/office/drawing/2014/main" id="{A4AA6A48-C3A1-5C8B-0E31-0A563E69E8D7}"/>
+              </a:ext>
+            </a:extLst>
+          </p:cNvPr>
+          <p:cNvSpPr txBox="1">
+            <a:spLocks/>
+          </p:cNvSpPr>
+          <p:nvPr/>
+        </p:nvSpPr>
+        <p:spPr>
+          <a:xfrm>
+            <a:off x="3804078" y="4590659"/>
+            <a:ext cx="1800000" cy="232093"/>
+          </a:xfrm>
+          <a:prstGeom prst="rect">
+            <a:avLst/>
+          </a:prstGeom>
+        </p:spPr>
+        <p:txBody>
+          <a:bodyPr anchor="ctr"/>
+          <a:lstStyle>
+            <a:lvl1pPr marL="0" indent="0" algn="ctr" defTabSz="914400" rtl="0" eaLnBrk="1" latinLnBrk="1" hangingPunct="1">
+              <a:lnSpc>
+                <a:spcPct val="90000"/>
+              </a:lnSpc>
+              <a:spcBef>
+                <a:spcPts val="1000"/>
+              </a:spcBef>
+              <a:buFontTx/>
+              <a:buNone/>
+              <a:defRPr sz="1600" b="0" kern="1200">
+                <a:solidFill>
+                  <a:schemeClr val="bg1"/>
+                </a:solidFill>
+                <a:latin typeface="+mn-lt"/>
+                <a:ea typeface="+mn-ea"/>
+                <a:cs typeface="+mn-cs"/>
+              </a:defRPr>
+            </a:lvl1pPr>
+            <a:lvl2pPr marL="685800" indent="-228600" algn="l" defTabSz="914400" rtl="0" eaLnBrk="1" latinLnBrk="1" hangingPunct="1">
+              <a:lnSpc>
+                <a:spcPct val="90000"/>
+              </a:lnSpc>
+              <a:spcBef>
+                <a:spcPts val="500"/>
+              </a:spcBef>
+              <a:buFont typeface="Arial" panose="020B0604020202020204" pitchFamily="34" charset="0"/>
+              <a:buChar char="•"/>
+              <a:defRPr sz="2400" kern="1200">
+                <a:solidFill>
+                  <a:schemeClr val="tx1"/>
+                </a:solidFill>
+                <a:latin typeface="+mn-lt"/>
+                <a:ea typeface="+mn-ea"/>
+                <a:cs typeface="+mn-cs"/>
+              </a:defRPr>
+            </a:lvl2pPr>
+            <a:lvl3pPr marL="1143000" indent="-228600" algn="l" defTabSz="914400" rtl="0" eaLnBrk="1" latinLnBrk="1" hangingPunct="1">
+              <a:lnSpc>
+                <a:spcPct val="90000"/>
+              </a:lnSpc>
+              <a:spcBef>
+                <a:spcPts val="500"/>
+              </a:spcBef>
+              <a:buFont typeface="Arial" panose="020B0604020202020204" pitchFamily="34" charset="0"/>
+              <a:buChar char="•"/>
+              <a:defRPr sz="2000" kern="1200">
+                <a:solidFill>
+                  <a:schemeClr val="tx1"/>
+                </a:solidFill>
+                <a:latin typeface="+mn-lt"/>
+                <a:ea typeface="+mn-ea"/>
+                <a:cs typeface="+mn-cs"/>
+              </a:defRPr>
+            </a:lvl3pPr>
+            <a:lvl4pPr marL="1600200" indent="-228600" algn="l" defTabSz="914400" rtl="0" eaLnBrk="1" latinLnBrk="1" hangingPunct="1">
+              <a:lnSpc>
+                <a:spcPct val="90000"/>
+              </a:lnSpc>
+              <a:spcBef>
+                <a:spcPts val="500"/>
+              </a:spcBef>
+              <a:buFont typeface="Arial" panose="020B0604020202020204" pitchFamily="34" charset="0"/>
+              <a:buChar char="•"/>
+              <a:defRPr sz="1800" kern="1200">
+                <a:solidFill>
+                  <a:schemeClr val="tx1"/>
+                </a:solidFill>
+                <a:latin typeface="+mn-lt"/>
+                <a:ea typeface="+mn-ea"/>
+                <a:cs typeface="+mn-cs"/>
+              </a:defRPr>
+            </a:lvl4pPr>
+            <a:lvl5pPr marL="2057400" indent="-228600" algn="l" defTabSz="914400" rtl="0" eaLnBrk="1" latinLnBrk="1" hangingPunct="1">
+              <a:lnSpc>
+                <a:spcPct val="90000"/>
+              </a:lnSpc>
+              <a:spcBef>
+                <a:spcPts val="500"/>
+              </a:spcBef>
+              <a:buFont typeface="Arial" panose="020B0604020202020204" pitchFamily="34" charset="0"/>
+              <a:buChar char="•"/>
+              <a:defRPr sz="1800" kern="1200">
+                <a:solidFill>
+                  <a:schemeClr val="tx1"/>
+                </a:solidFill>
+                <a:latin typeface="+mn-lt"/>
+                <a:ea typeface="+mn-ea"/>
+                <a:cs typeface="+mn-cs"/>
+              </a:defRPr>
+            </a:lvl5pPr>
+            <a:lvl6pPr marL="2514600" indent="-228600" algn="l" defTabSz="914400" rtl="0" eaLnBrk="1" latinLnBrk="1" hangingPunct="1">
+              <a:lnSpc>
+                <a:spcPct val="90000"/>
+              </a:lnSpc>
+              <a:spcBef>
+                <a:spcPts val="500"/>
+              </a:spcBef>
+              <a:buFont typeface="Arial" panose="020B0604020202020204" pitchFamily="34" charset="0"/>
+              <a:buChar char="•"/>
+              <a:defRPr sz="1800" kern="1200">
+                <a:solidFill>
+                  <a:schemeClr val="tx1"/>
+                </a:solidFill>
+                <a:latin typeface="+mn-lt"/>
+                <a:ea typeface="+mn-ea"/>
+                <a:cs typeface="+mn-cs"/>
+              </a:defRPr>
+            </a:lvl6pPr>
+            <a:lvl7pPr marL="2971800" indent="-228600" algn="l" defTabSz="914400" rtl="0" eaLnBrk="1" latinLnBrk="1" hangingPunct="1">
+              <a:lnSpc>
+                <a:spcPct val="90000"/>
+              </a:lnSpc>
+              <a:spcBef>
+                <a:spcPts val="500"/>
+              </a:spcBef>
+              <a:buFont typeface="Arial" panose="020B0604020202020204" pitchFamily="34" charset="0"/>
+              <a:buChar char="•"/>
+              <a:defRPr sz="1800" kern="1200">
+                <a:solidFill>
+                  <a:schemeClr val="tx1"/>
+                </a:solidFill>
+                <a:latin typeface="+mn-lt"/>
+                <a:ea typeface="+mn-ea"/>
+                <a:cs typeface="+mn-cs"/>
+              </a:defRPr>
+            </a:lvl7pPr>
+            <a:lvl8pPr marL="3429000" indent="-228600" algn="l" defTabSz="914400" rtl="0" eaLnBrk="1" latinLnBrk="1" hangingPunct="1">
+              <a:lnSpc>
+                <a:spcPct val="90000"/>
+              </a:lnSpc>
+              <a:spcBef>
+                <a:spcPts val="500"/>
+              </a:spcBef>
+              <a:buFont typeface="Arial" panose="020B0604020202020204" pitchFamily="34" charset="0"/>
+              <a:buChar char="•"/>
+              <a:defRPr sz="1800" kern="1200">
+                <a:solidFill>
+                  <a:schemeClr val="tx1"/>
+                </a:solidFill>
+                <a:latin typeface="+mn-lt"/>
+                <a:ea typeface="+mn-ea"/>
+                <a:cs typeface="+mn-cs"/>
+              </a:defRPr>
+            </a:lvl8pPr>
+            <a:lvl9pPr marL="3886200" indent="-228600" algn="l" defTabSz="914400" rtl="0" eaLnBrk="1" latinLnBrk="1" hangingPunct="1">
+              <a:lnSpc>
+                <a:spcPct val="90000"/>
+              </a:lnSpc>
+              <a:spcBef>
+                <a:spcPts val="500"/>
+              </a:spcBef>
+              <a:buFont typeface="Arial" panose="020B0604020202020204" pitchFamily="34" charset="0"/>
+              <a:buChar char="•"/>
+              <a:defRPr sz="1800" kern="1200">
+                <a:solidFill>
+                  <a:schemeClr val="tx1"/>
+                </a:solidFill>
+                <a:latin typeface="+mn-lt"/>
+                <a:ea typeface="+mn-ea"/>
+                <a:cs typeface="+mn-cs"/>
+              </a:defRPr>
+            </a:lvl9pPr>
+          </a:lstStyle>
+          <a:p>
+            <a:r>
+              <a:rPr lang="en-US" altLang="ko-KR" dirty="0"/>
+              <a:t>Faculty page</a:t>
+            </a:r>
+          </a:p>
+        </p:txBody>
+      </p:sp>
+      <p:sp>
+        <p:nvSpPr>
+          <p:cNvPr id="14" name="Text Placeholder 27">
+            <a:extLst>
+              <a:ext uri="{FF2B5EF4-FFF2-40B4-BE49-F238E27FC236}">
+                <a16:creationId xmlns:a16="http://schemas.microsoft.com/office/drawing/2014/main" id="{B22D7E32-7C66-DC39-9141-A0CC4C9BA0E1}"/>
+              </a:ext>
+            </a:extLst>
+          </p:cNvPr>
+          <p:cNvSpPr txBox="1">
+            <a:spLocks/>
+          </p:cNvSpPr>
+          <p:nvPr/>
+        </p:nvSpPr>
+        <p:spPr>
+          <a:xfrm>
+            <a:off x="6572903" y="4590659"/>
+            <a:ext cx="1800000" cy="232093"/>
+          </a:xfrm>
+          <a:prstGeom prst="rect">
+            <a:avLst/>
+          </a:prstGeom>
+        </p:spPr>
+        <p:txBody>
+          <a:bodyPr anchor="ctr"/>
+          <a:lstStyle>
+            <a:lvl1pPr marL="0" indent="0" algn="ctr" defTabSz="914400" rtl="0" eaLnBrk="1" latinLnBrk="1" hangingPunct="1">
+              <a:lnSpc>
+                <a:spcPct val="90000"/>
+              </a:lnSpc>
+              <a:spcBef>
+                <a:spcPts val="1000"/>
+              </a:spcBef>
+              <a:buFontTx/>
+              <a:buNone/>
+              <a:defRPr sz="1600" b="0" kern="1200">
+                <a:solidFill>
+                  <a:schemeClr val="bg1"/>
+                </a:solidFill>
+                <a:latin typeface="+mn-lt"/>
+                <a:ea typeface="+mn-ea"/>
+                <a:cs typeface="+mn-cs"/>
+              </a:defRPr>
+            </a:lvl1pPr>
+            <a:lvl2pPr marL="685800" indent="-228600" algn="l" defTabSz="914400" rtl="0" eaLnBrk="1" latinLnBrk="1" hangingPunct="1">
+              <a:lnSpc>
+                <a:spcPct val="90000"/>
+              </a:lnSpc>
+              <a:spcBef>
+                <a:spcPts val="500"/>
+              </a:spcBef>
+              <a:buFont typeface="Arial" panose="020B0604020202020204" pitchFamily="34" charset="0"/>
+              <a:buChar char="•"/>
+              <a:defRPr sz="2400" kern="1200">
+                <a:solidFill>
+                  <a:schemeClr val="tx1"/>
+                </a:solidFill>
+                <a:latin typeface="+mn-lt"/>
+                <a:ea typeface="+mn-ea"/>
+                <a:cs typeface="+mn-cs"/>
+              </a:defRPr>
+            </a:lvl2pPr>
+            <a:lvl3pPr marL="1143000" indent="-228600" algn="l" defTabSz="914400" rtl="0" eaLnBrk="1" latinLnBrk="1" hangingPunct="1">
+              <a:lnSpc>
+                <a:spcPct val="90000"/>
+              </a:lnSpc>
+              <a:spcBef>
+                <a:spcPts val="500"/>
+              </a:spcBef>
+              <a:buFont typeface="Arial" panose="020B0604020202020204" pitchFamily="34" charset="0"/>
+              <a:buChar char="•"/>
+              <a:defRPr sz="2000" kern="1200">
+                <a:solidFill>
+                  <a:schemeClr val="tx1"/>
+                </a:solidFill>
+                <a:latin typeface="+mn-lt"/>
+                <a:ea typeface="+mn-ea"/>
+                <a:cs typeface="+mn-cs"/>
+              </a:defRPr>
+            </a:lvl3pPr>
+            <a:lvl4pPr marL="1600200" indent="-228600" algn="l" defTabSz="914400" rtl="0" eaLnBrk="1" latinLnBrk="1" hangingPunct="1">
+              <a:lnSpc>
+                <a:spcPct val="90000"/>
+              </a:lnSpc>
+              <a:spcBef>
+                <a:spcPts val="500"/>
+              </a:spcBef>
+              <a:buFont typeface="Arial" panose="020B0604020202020204" pitchFamily="34" charset="0"/>
+              <a:buChar char="•"/>
+              <a:defRPr sz="1800" kern="1200">
+                <a:solidFill>
+                  <a:schemeClr val="tx1"/>
+                </a:solidFill>
+                <a:latin typeface="+mn-lt"/>
+                <a:ea typeface="+mn-ea"/>
+                <a:cs typeface="+mn-cs"/>
+              </a:defRPr>
+            </a:lvl4pPr>
+            <a:lvl5pPr marL="2057400" indent="-228600" algn="l" defTabSz="914400" rtl="0" eaLnBrk="1" latinLnBrk="1" hangingPunct="1">
+              <a:lnSpc>
+                <a:spcPct val="90000"/>
+              </a:lnSpc>
+              <a:spcBef>
+                <a:spcPts val="500"/>
+              </a:spcBef>
+              <a:buFont typeface="Arial" panose="020B0604020202020204" pitchFamily="34" charset="0"/>
+              <a:buChar char="•"/>
+              <a:defRPr sz="1800" kern="1200">
+                <a:solidFill>
+                  <a:schemeClr val="tx1"/>
+                </a:solidFill>
+                <a:latin typeface="+mn-lt"/>
+                <a:ea typeface="+mn-ea"/>
+                <a:cs typeface="+mn-cs"/>
+              </a:defRPr>
+            </a:lvl5pPr>
+            <a:lvl6pPr marL="2514600" indent="-228600" algn="l" defTabSz="914400" rtl="0" eaLnBrk="1" latinLnBrk="1" hangingPunct="1">
+              <a:lnSpc>
+                <a:spcPct val="90000"/>
+              </a:lnSpc>
+              <a:spcBef>
+                <a:spcPts val="500"/>
+              </a:spcBef>
+              <a:buFont typeface="Arial" panose="020B0604020202020204" pitchFamily="34" charset="0"/>
+              <a:buChar char="•"/>
+              <a:defRPr sz="1800" kern="1200">
+                <a:solidFill>
+                  <a:schemeClr val="tx1"/>
+                </a:solidFill>
+                <a:latin typeface="+mn-lt"/>
+                <a:ea typeface="+mn-ea"/>
+                <a:cs typeface="+mn-cs"/>
+              </a:defRPr>
+            </a:lvl6pPr>
+            <a:lvl7pPr marL="2971800" indent="-228600" algn="l" defTabSz="914400" rtl="0" eaLnBrk="1" latinLnBrk="1" hangingPunct="1">
+              <a:lnSpc>
+                <a:spcPct val="90000"/>
+              </a:lnSpc>
+              <a:spcBef>
+                <a:spcPts val="500"/>
+              </a:spcBef>
+              <a:buFont typeface="Arial" panose="020B0604020202020204" pitchFamily="34" charset="0"/>
+              <a:buChar char="•"/>
+              <a:defRPr sz="1800" kern="1200">
+                <a:solidFill>
+                  <a:schemeClr val="tx1"/>
+                </a:solidFill>
+                <a:latin typeface="+mn-lt"/>
+                <a:ea typeface="+mn-ea"/>
+                <a:cs typeface="+mn-cs"/>
+              </a:defRPr>
+            </a:lvl7pPr>
+            <a:lvl8pPr marL="3429000" indent="-228600" algn="l" defTabSz="914400" rtl="0" eaLnBrk="1" latinLnBrk="1" hangingPunct="1">
+              <a:lnSpc>
+                <a:spcPct val="90000"/>
+              </a:lnSpc>
+              <a:spcBef>
+                <a:spcPts val="500"/>
+              </a:spcBef>
+              <a:buFont typeface="Arial" panose="020B0604020202020204" pitchFamily="34" charset="0"/>
+              <a:buChar char="•"/>
+              <a:defRPr sz="1800" kern="1200">
+                <a:solidFill>
+                  <a:schemeClr val="tx1"/>
+                </a:solidFill>
+                <a:latin typeface="+mn-lt"/>
+                <a:ea typeface="+mn-ea"/>
+                <a:cs typeface="+mn-cs"/>
+              </a:defRPr>
+            </a:lvl8pPr>
+            <a:lvl9pPr marL="3886200" indent="-228600" algn="l" defTabSz="914400" rtl="0" eaLnBrk="1" latinLnBrk="1" hangingPunct="1">
+              <a:lnSpc>
+                <a:spcPct val="90000"/>
+              </a:lnSpc>
+              <a:spcBef>
+                <a:spcPts val="500"/>
+              </a:spcBef>
+              <a:buFont typeface="Arial" panose="020B0604020202020204" pitchFamily="34" charset="0"/>
+              <a:buChar char="•"/>
+              <a:defRPr sz="1800" kern="1200">
+                <a:solidFill>
+                  <a:schemeClr val="tx1"/>
+                </a:solidFill>
+                <a:latin typeface="+mn-lt"/>
+                <a:ea typeface="+mn-ea"/>
+                <a:cs typeface="+mn-cs"/>
+              </a:defRPr>
+            </a:lvl9pPr>
+          </a:lstStyle>
+          <a:p>
+            <a:r>
+              <a:rPr lang="en-US" dirty="0" err="1"/>
+              <a:t>Matrial</a:t>
+            </a:r>
+            <a:r>
+              <a:rPr lang="en-US" dirty="0"/>
+              <a:t> page </a:t>
+            </a:r>
+          </a:p>
+        </p:txBody>
+      </p:sp>
+      <p:sp>
+        <p:nvSpPr>
+          <p:cNvPr id="15" name="Text Placeholder 27">
+            <a:extLst>
+              <a:ext uri="{FF2B5EF4-FFF2-40B4-BE49-F238E27FC236}">
+                <a16:creationId xmlns:a16="http://schemas.microsoft.com/office/drawing/2014/main" id="{DEECBDBF-ACF6-D77C-39BA-24F1E6181B42}"/>
+              </a:ext>
+            </a:extLst>
+          </p:cNvPr>
+          <p:cNvSpPr txBox="1">
+            <a:spLocks/>
+          </p:cNvSpPr>
+          <p:nvPr/>
+        </p:nvSpPr>
+        <p:spPr>
+          <a:xfrm>
+            <a:off x="9341729" y="4590659"/>
+            <a:ext cx="1800000" cy="232093"/>
+          </a:xfrm>
+          <a:prstGeom prst="rect">
+            <a:avLst/>
+          </a:prstGeom>
+        </p:spPr>
+        <p:txBody>
+          <a:bodyPr anchor="ctr"/>
+          <a:lstStyle>
+            <a:lvl1pPr marL="0" indent="0" algn="ctr" defTabSz="914400" rtl="0" eaLnBrk="1" latinLnBrk="1" hangingPunct="1">
+              <a:lnSpc>
+                <a:spcPct val="90000"/>
+              </a:lnSpc>
+              <a:spcBef>
+                <a:spcPts val="1000"/>
+              </a:spcBef>
+              <a:buFontTx/>
+              <a:buNone/>
+              <a:defRPr sz="1600" b="0" kern="1200">
+                <a:solidFill>
+                  <a:schemeClr val="bg1"/>
+                </a:solidFill>
+                <a:latin typeface="+mn-lt"/>
+                <a:ea typeface="+mn-ea"/>
+                <a:cs typeface="+mn-cs"/>
+              </a:defRPr>
+            </a:lvl1pPr>
+            <a:lvl2pPr marL="685800" indent="-228600" algn="l" defTabSz="914400" rtl="0" eaLnBrk="1" latinLnBrk="1" hangingPunct="1">
+              <a:lnSpc>
+                <a:spcPct val="90000"/>
+              </a:lnSpc>
+              <a:spcBef>
+                <a:spcPts val="500"/>
+              </a:spcBef>
+              <a:buFont typeface="Arial" panose="020B0604020202020204" pitchFamily="34" charset="0"/>
+              <a:buChar char="•"/>
+              <a:defRPr sz="2400" kern="1200">
+                <a:solidFill>
+                  <a:schemeClr val="tx1"/>
+                </a:solidFill>
+                <a:latin typeface="+mn-lt"/>
+                <a:ea typeface="+mn-ea"/>
+                <a:cs typeface="+mn-cs"/>
+              </a:defRPr>
+            </a:lvl2pPr>
+            <a:lvl3pPr marL="1143000" indent="-228600" algn="l" defTabSz="914400" rtl="0" eaLnBrk="1" latinLnBrk="1" hangingPunct="1">
+              <a:lnSpc>
+                <a:spcPct val="90000"/>
+              </a:lnSpc>
+              <a:spcBef>
+                <a:spcPts val="500"/>
+              </a:spcBef>
+              <a:buFont typeface="Arial" panose="020B0604020202020204" pitchFamily="34" charset="0"/>
+              <a:buChar char="•"/>
+              <a:defRPr sz="2000" kern="1200">
+                <a:solidFill>
+                  <a:schemeClr val="tx1"/>
+                </a:solidFill>
+                <a:latin typeface="+mn-lt"/>
+                <a:ea typeface="+mn-ea"/>
+                <a:cs typeface="+mn-cs"/>
+              </a:defRPr>
+            </a:lvl3pPr>
+            <a:lvl4pPr marL="1600200" indent="-228600" algn="l" defTabSz="914400" rtl="0" eaLnBrk="1" latinLnBrk="1" hangingPunct="1">
+              <a:lnSpc>
+                <a:spcPct val="90000"/>
+              </a:lnSpc>
+              <a:spcBef>
+                <a:spcPts val="500"/>
+              </a:spcBef>
+              <a:buFont typeface="Arial" panose="020B0604020202020204" pitchFamily="34" charset="0"/>
+              <a:buChar char="•"/>
+              <a:defRPr sz="1800" kern="1200">
+                <a:solidFill>
+                  <a:schemeClr val="tx1"/>
+                </a:solidFill>
+                <a:latin typeface="+mn-lt"/>
+                <a:ea typeface="+mn-ea"/>
+                <a:cs typeface="+mn-cs"/>
+              </a:defRPr>
+            </a:lvl4pPr>
+            <a:lvl5pPr marL="2057400" indent="-228600" algn="l" defTabSz="914400" rtl="0" eaLnBrk="1" latinLnBrk="1" hangingPunct="1">
+              <a:lnSpc>
+                <a:spcPct val="90000"/>
+              </a:lnSpc>
+              <a:spcBef>
+                <a:spcPts val="500"/>
+              </a:spcBef>
+              <a:buFont typeface="Arial" panose="020B0604020202020204" pitchFamily="34" charset="0"/>
+              <a:buChar char="•"/>
+              <a:defRPr sz="1800" kern="1200">
+                <a:solidFill>
+                  <a:schemeClr val="tx1"/>
+                </a:solidFill>
+                <a:latin typeface="+mn-lt"/>
+                <a:ea typeface="+mn-ea"/>
+                <a:cs typeface="+mn-cs"/>
+              </a:defRPr>
+            </a:lvl5pPr>
+            <a:lvl6pPr marL="2514600" indent="-228600" algn="l" defTabSz="914400" rtl="0" eaLnBrk="1" latinLnBrk="1" hangingPunct="1">
+              <a:lnSpc>
+                <a:spcPct val="90000"/>
+              </a:lnSpc>
+              <a:spcBef>
+                <a:spcPts val="500"/>
+              </a:spcBef>
+              <a:buFont typeface="Arial" panose="020B0604020202020204" pitchFamily="34" charset="0"/>
+              <a:buChar char="•"/>
+              <a:defRPr sz="1800" kern="1200">
+                <a:solidFill>
+                  <a:schemeClr val="tx1"/>
+                </a:solidFill>
+                <a:latin typeface="+mn-lt"/>
+                <a:ea typeface="+mn-ea"/>
+                <a:cs typeface="+mn-cs"/>
+              </a:defRPr>
+            </a:lvl6pPr>
+            <a:lvl7pPr marL="2971800" indent="-228600" algn="l" defTabSz="914400" rtl="0" eaLnBrk="1" latinLnBrk="1" hangingPunct="1">
+              <a:lnSpc>
+                <a:spcPct val="90000"/>
+              </a:lnSpc>
+              <a:spcBef>
+                <a:spcPts val="500"/>
+              </a:spcBef>
+              <a:buFont typeface="Arial" panose="020B0604020202020204" pitchFamily="34" charset="0"/>
+              <a:buChar char="•"/>
+              <a:defRPr sz="1800" kern="1200">
+                <a:solidFill>
+                  <a:schemeClr val="tx1"/>
+                </a:solidFill>
+                <a:latin typeface="+mn-lt"/>
+                <a:ea typeface="+mn-ea"/>
+                <a:cs typeface="+mn-cs"/>
+              </a:defRPr>
+            </a:lvl7pPr>
+            <a:lvl8pPr marL="3429000" indent="-228600" algn="l" defTabSz="914400" rtl="0" eaLnBrk="1" latinLnBrk="1" hangingPunct="1">
+              <a:lnSpc>
+                <a:spcPct val="90000"/>
+              </a:lnSpc>
+              <a:spcBef>
+                <a:spcPts val="500"/>
+              </a:spcBef>
+              <a:buFont typeface="Arial" panose="020B0604020202020204" pitchFamily="34" charset="0"/>
+              <a:buChar char="•"/>
+              <a:defRPr sz="1800" kern="1200">
+                <a:solidFill>
+                  <a:schemeClr val="tx1"/>
+                </a:solidFill>
+                <a:latin typeface="+mn-lt"/>
+                <a:ea typeface="+mn-ea"/>
+                <a:cs typeface="+mn-cs"/>
+              </a:defRPr>
+            </a:lvl8pPr>
+            <a:lvl9pPr marL="3886200" indent="-228600" algn="l" defTabSz="914400" rtl="0" eaLnBrk="1" latinLnBrk="1" hangingPunct="1">
+              <a:lnSpc>
+                <a:spcPct val="90000"/>
+              </a:lnSpc>
+              <a:spcBef>
+                <a:spcPts val="500"/>
+              </a:spcBef>
+              <a:buFont typeface="Arial" panose="020B0604020202020204" pitchFamily="34" charset="0"/>
+              <a:buChar char="•"/>
+              <a:defRPr sz="1800" kern="1200">
+                <a:solidFill>
+                  <a:schemeClr val="tx1"/>
+                </a:solidFill>
+                <a:latin typeface="+mn-lt"/>
+                <a:ea typeface="+mn-ea"/>
+                <a:cs typeface="+mn-cs"/>
+              </a:defRPr>
+            </a:lvl9pPr>
+          </a:lstStyle>
+          <a:p>
+            <a:r>
+              <a:rPr lang="en-US" altLang="ko-KR" dirty="0"/>
+              <a:t>News page</a:t>
+            </a:r>
+          </a:p>
+        </p:txBody>
+      </p:sp>
+      <p:sp>
+        <p:nvSpPr>
+          <p:cNvPr id="20" name="Text Placeholder 1">
+            <a:extLst>
+              <a:ext uri="{FF2B5EF4-FFF2-40B4-BE49-F238E27FC236}">
+                <a16:creationId xmlns:a16="http://schemas.microsoft.com/office/drawing/2014/main" id="{D1840EC9-115B-4B88-13D1-591575A96832}"/>
+              </a:ext>
+            </a:extLst>
+          </p:cNvPr>
+          <p:cNvSpPr txBox="1">
+            <a:spLocks/>
+          </p:cNvSpPr>
+          <p:nvPr/>
+        </p:nvSpPr>
+        <p:spPr>
+          <a:xfrm>
+            <a:off x="0" y="5717052"/>
+            <a:ext cx="11573197" cy="724247"/>
+          </a:xfrm>
+          <a:prstGeom prst="rect">
+            <a:avLst/>
+          </a:prstGeom>
+        </p:spPr>
+        <p:txBody>
+          <a:bodyPr anchor="ctr"/>
+          <a:lstStyle>
+            <a:lvl1pPr marL="0" indent="0" algn="ctr" defTabSz="914400" rtl="0" eaLnBrk="1" latinLnBrk="0" hangingPunct="1">
+              <a:lnSpc>
+                <a:spcPct val="90000"/>
+              </a:lnSpc>
+              <a:spcBef>
+                <a:spcPts val="1000"/>
+              </a:spcBef>
+              <a:buFont typeface="Arial" panose="020B0604020202020204" pitchFamily="34" charset="0"/>
+              <a:buNone/>
+              <a:defRPr sz="5400" b="0" kern="1200" baseline="0">
+                <a:solidFill>
+                  <a:schemeClr val="tx1">
+                    <a:lumMod val="75000"/>
+                    <a:lumOff val="25000"/>
+                  </a:schemeClr>
+                </a:solidFill>
+                <a:latin typeface="+mj-lt"/>
+                <a:ea typeface="+mn-ea"/>
+                <a:cs typeface="Arial" pitchFamily="34" charset="0"/>
+              </a:defRPr>
+            </a:lvl1pPr>
+            <a:lvl2pPr marL="685800" indent="-228600" algn="l" defTabSz="914400" rtl="0" eaLnBrk="1" latinLnBrk="0" hangingPunct="1">
+              <a:lnSpc>
+                <a:spcPct val="90000"/>
+              </a:lnSpc>
+              <a:spcBef>
+                <a:spcPts val="500"/>
+              </a:spcBef>
+              <a:buFont typeface="Arial" panose="020B0604020202020204" pitchFamily="34" charset="0"/>
+              <a:buChar char="•"/>
+              <a:defRPr sz="2400" kern="1200">
+                <a:solidFill>
+                  <a:schemeClr val="tx1"/>
+                </a:solidFill>
+                <a:latin typeface="+mn-lt"/>
+                <a:ea typeface="+mn-ea"/>
+                <a:cs typeface="+mn-cs"/>
+              </a:defRPr>
+            </a:lvl2pPr>
+            <a:lvl3pPr marL="1143000" indent="-228600" algn="l" defTabSz="914400" rtl="0" eaLnBrk="1" latinLnBrk="0" hangingPunct="1">
+              <a:lnSpc>
+                <a:spcPct val="90000"/>
+              </a:lnSpc>
+              <a:spcBef>
+                <a:spcPts val="500"/>
+              </a:spcBef>
+              <a:buFont typeface="Arial" panose="020B0604020202020204" pitchFamily="34" charset="0"/>
+              <a:buChar char="•"/>
+              <a:defRPr sz="2000" kern="1200">
+                <a:solidFill>
+                  <a:schemeClr val="tx1"/>
+                </a:solidFill>
+                <a:latin typeface="+mn-lt"/>
+                <a:ea typeface="+mn-ea"/>
+                <a:cs typeface="+mn-cs"/>
+              </a:defRPr>
+            </a:lvl3pPr>
+            <a:lvl4pPr marL="1600200" indent="-228600" algn="l" defTabSz="914400" rtl="0" eaLnBrk="1" latinLnBrk="0" hangingPunct="1">
+              <a:lnSpc>
+                <a:spcPct val="90000"/>
+              </a:lnSpc>
+              <a:spcBef>
+                <a:spcPts val="500"/>
+              </a:spcBef>
+              <a:buFont typeface="Arial" panose="020B0604020202020204" pitchFamily="34" charset="0"/>
+              <a:buChar char="•"/>
+              <a:defRPr sz="1800" kern="1200">
+                <a:solidFill>
+                  <a:schemeClr val="tx1"/>
+                </a:solidFill>
+                <a:latin typeface="+mn-lt"/>
+                <a:ea typeface="+mn-ea"/>
+                <a:cs typeface="+mn-cs"/>
+              </a:defRPr>
+            </a:lvl4pPr>
+            <a:lvl5pPr marL="2057400" indent="-228600" algn="l" defTabSz="914400" rtl="0" eaLnBrk="1" latinLnBrk="0" hangingPunct="1">
+              <a:lnSpc>
+                <a:spcPct val="90000"/>
+              </a:lnSpc>
+              <a:spcBef>
+                <a:spcPts val="500"/>
+              </a:spcBef>
+              <a:buFont typeface="Arial" panose="020B0604020202020204" pitchFamily="34" charset="0"/>
+              <a:buChar char="•"/>
+              <a:defRPr sz="1800" kern="1200">
+                <a:solidFill>
+                  <a:schemeClr val="tx1"/>
+                </a:solidFill>
+                <a:latin typeface="+mn-lt"/>
+                <a:ea typeface="+mn-ea"/>
+                <a:cs typeface="+mn-cs"/>
+              </a:defRPr>
+            </a:lvl5pPr>
+            <a:lvl6pPr marL="2514600" indent="-228600" algn="l" defTabSz="914400" rtl="0" eaLnBrk="1" latinLnBrk="0" hangingPunct="1">
+              <a:lnSpc>
+                <a:spcPct val="90000"/>
+              </a:lnSpc>
+              <a:spcBef>
+                <a:spcPts val="500"/>
+              </a:spcBef>
+              <a:buFont typeface="Arial" panose="020B0604020202020204" pitchFamily="34" charset="0"/>
+              <a:buChar char="•"/>
+              <a:defRPr sz="1800" kern="1200">
+                <a:solidFill>
+                  <a:schemeClr val="tx1"/>
+                </a:solidFill>
+                <a:latin typeface="+mn-lt"/>
+                <a:ea typeface="+mn-ea"/>
+                <a:cs typeface="+mn-cs"/>
+              </a:defRPr>
+            </a:lvl6pPr>
+            <a:lvl7pPr marL="2971800" indent="-228600" algn="l" defTabSz="914400" rtl="0" eaLnBrk="1" latinLnBrk="0" hangingPunct="1">
+              <a:lnSpc>
+                <a:spcPct val="90000"/>
+              </a:lnSpc>
+              <a:spcBef>
+                <a:spcPts val="500"/>
+              </a:spcBef>
+              <a:buFont typeface="Arial" panose="020B0604020202020204" pitchFamily="34" charset="0"/>
+              <a:buChar char="•"/>
+              <a:defRPr sz="1800" kern="1200">
+                <a:solidFill>
+                  <a:schemeClr val="tx1"/>
+                </a:solidFill>
+                <a:latin typeface="+mn-lt"/>
+                <a:ea typeface="+mn-ea"/>
+                <a:cs typeface="+mn-cs"/>
+              </a:defRPr>
+            </a:lvl7pPr>
+            <a:lvl8pPr marL="3429000" indent="-228600" algn="l" defTabSz="914400" rtl="0" eaLnBrk="1" latinLnBrk="0" hangingPunct="1">
+              <a:lnSpc>
+                <a:spcPct val="90000"/>
+              </a:lnSpc>
+              <a:spcBef>
+                <a:spcPts val="500"/>
+              </a:spcBef>
+              <a:buFont typeface="Arial" panose="020B0604020202020204" pitchFamily="34" charset="0"/>
+              <a:buChar char="•"/>
+              <a:defRPr sz="1800" kern="1200">
+                <a:solidFill>
+                  <a:schemeClr val="tx1"/>
+                </a:solidFill>
+                <a:latin typeface="+mn-lt"/>
+                <a:ea typeface="+mn-ea"/>
+                <a:cs typeface="+mn-cs"/>
+              </a:defRPr>
+            </a:lvl8pPr>
+            <a:lvl9pPr marL="3886200" indent="-228600" algn="l" defTabSz="914400" rtl="0" eaLnBrk="1" latinLnBrk="0" hangingPunct="1">
+              <a:lnSpc>
+                <a:spcPct val="90000"/>
+              </a:lnSpc>
+              <a:spcBef>
+                <a:spcPts val="500"/>
+              </a:spcBef>
+              <a:buFont typeface="Arial" panose="020B0604020202020204" pitchFamily="34" charset="0"/>
+              <a:buChar char="•"/>
+              <a:defRPr sz="1800" kern="1200">
+                <a:solidFill>
+                  <a:schemeClr val="tx1"/>
+                </a:solidFill>
+                <a:latin typeface="+mn-lt"/>
+                <a:ea typeface="+mn-ea"/>
+                <a:cs typeface="+mn-cs"/>
+              </a:defRPr>
+            </a:lvl9pPr>
+          </a:lstStyle>
+          <a:p>
+            <a:r>
+              <a:rPr lang="en-US" sz="1400" dirty="0">
+                <a:solidFill>
+                  <a:schemeClr val="accent5">
+                    <a:lumMod val="75000"/>
+                  </a:schemeClr>
+                </a:solidFill>
+              </a:rPr>
+              <a:t>https://www.figma.com/design/e5QNrT9OGsPoQ8o0NFkp8e/Untitled?node-id=0-1&amp;t=nuHLsqzUvLAZ6Mqj-1</a:t>
+            </a:r>
+          </a:p>
+        </p:txBody>
+      </p:sp>
+      <p:pic>
+        <p:nvPicPr>
+          <p:cNvPr id="32" name="Picture Placeholder 31">
+            <a:extLst>
+              <a:ext uri="{FF2B5EF4-FFF2-40B4-BE49-F238E27FC236}">
+                <a16:creationId xmlns:a16="http://schemas.microsoft.com/office/drawing/2014/main" id="{7A945C18-4CB5-78E0-EB64-C70A01B29313}"/>
+              </a:ext>
+            </a:extLst>
+          </p:cNvPr>
+          <p:cNvPicPr>
+            <a:picLocks noGrp="1" noChangeAspect="1"/>
+          </p:cNvPicPr>
+          <p:nvPr>
+            <p:ph type="pic" sz="quarter" idx="63"/>
+          </p:nvPr>
+        </p:nvPicPr>
+        <p:blipFill>
+          <a:blip r:embed="rId4">
+            <a:extLst>
+              <a:ext uri="{28A0092B-C50C-407E-A947-70E740481C1C}">
+                <a14:useLocalDpi xmlns:a14="http://schemas.microsoft.com/office/drawing/2010/main" val="0"/>
+              </a:ext>
+            </a:extLst>
+          </a:blip>
+          <a:srcRect t="4094" b="4094"/>
+          <a:stretch>
+            <a:fillRect/>
+          </a:stretch>
+        </p:blipFill>
+        <p:spPr/>
+      </p:pic>
+      <p:pic>
+        <p:nvPicPr>
+          <p:cNvPr id="36" name="Picture Placeholder 35">
+            <a:extLst>
+              <a:ext uri="{FF2B5EF4-FFF2-40B4-BE49-F238E27FC236}">
+                <a16:creationId xmlns:a16="http://schemas.microsoft.com/office/drawing/2014/main" id="{3B89787F-0101-4A65-BD08-4FDDB22FE5A8}"/>
+              </a:ext>
+            </a:extLst>
+          </p:cNvPr>
+          <p:cNvPicPr>
+            <a:picLocks noGrp="1" noChangeAspect="1"/>
+          </p:cNvPicPr>
+          <p:nvPr>
+            <p:ph type="pic" sz="quarter" idx="67"/>
+          </p:nvPr>
+        </p:nvPicPr>
+        <p:blipFill>
+          <a:blip r:embed="rId5">
+            <a:extLst>
+              <a:ext uri="{28A0092B-C50C-407E-A947-70E740481C1C}">
+                <a14:useLocalDpi xmlns:a14="http://schemas.microsoft.com/office/drawing/2010/main" val="0"/>
+              </a:ext>
+            </a:extLst>
+          </a:blip>
+          <a:srcRect t="15720" b="31136"/>
+          <a:stretch/>
+        </p:blipFill>
+        <p:spPr>
+          <a:xfrm>
+            <a:off x="9575208" y="2037611"/>
+            <a:ext cx="1332000" cy="2097207"/>
+          </a:xfrm>
+        </p:spPr>
+      </p:pic>
+    </p:spTree>
+    <p:extLst>
+      <p:ext uri="{BB962C8B-B14F-4D97-AF65-F5344CB8AC3E}">
+        <p14:creationId xmlns:p14="http://schemas.microsoft.com/office/powerpoint/2010/main" val="3266784886"/>
+      </p:ext>
+    </p:extLst>
+  </p:cSld>
+  <p:clrMapOvr>
+    <a:masterClrMapping/>
+  </p:clrMapOvr>
+</p:sld>
+</file>
+
+<file path=ppt/slides/slide21.xml><?xml version="1.0" encoding="utf-8"?>
+<p:sld xmlns:a="http://schemas.openxmlformats.org/drawingml/2006/main" xmlns:r="http://schemas.openxmlformats.org/officeDocument/2006/relationships" xmlns:p="http://schemas.openxmlformats.org/presentationml/2006/main">
+  <p:cSld>
+    <p:spTree>
+      <p:nvGrpSpPr>
+        <p:cNvPr id="1" name=""/>
+        <p:cNvGrpSpPr/>
+        <p:nvPr/>
+      </p:nvGrpSpPr>
+      <p:grpSpPr>
+        <a:xfrm>
+          <a:off x="0" y="0"/>
+          <a:ext cx="0" cy="0"/>
+          <a:chOff x="0" y="0"/>
+          <a:chExt cx="0" cy="0"/>
+        </a:xfrm>
+      </p:grpSpPr>
       <p:grpSp>
         <p:nvGrpSpPr>
           <p:cNvPr id="2" name="그룹 1">
